--- a/SEMESTER3/BIG DATA ANALYSIS AND DATA VISUALISATION/MATERI/week4_Analisis Data.pptx
+++ b/SEMESTER3/BIG DATA ANALYSIS AND DATA VISUALISATION/MATERI/week4_Analisis Data.pptx
@@ -5,20 +5,21 @@
     <p:sldMasterId id="2147483648" r:id="rId1"/>
   </p:sldMasterIdLst>
   <p:notesMasterIdLst>
-    <p:notesMasterId r:id="rId10"/>
+    <p:notesMasterId r:id="rId11"/>
   </p:notesMasterIdLst>
   <p:handoutMasterIdLst>
-    <p:handoutMasterId r:id="rId11"/>
+    <p:handoutMasterId r:id="rId12"/>
   </p:handoutMasterIdLst>
   <p:sldIdLst>
     <p:sldId id="277" r:id="rId2"/>
     <p:sldId id="278" r:id="rId3"/>
     <p:sldId id="279" r:id="rId4"/>
     <p:sldId id="280" r:id="rId5"/>
-    <p:sldId id="281" r:id="rId6"/>
-    <p:sldId id="282" r:id="rId7"/>
-    <p:sldId id="283" r:id="rId8"/>
-    <p:sldId id="284" r:id="rId9"/>
+    <p:sldId id="285" r:id="rId6"/>
+    <p:sldId id="281" r:id="rId7"/>
+    <p:sldId id="282" r:id="rId8"/>
+    <p:sldId id="283" r:id="rId9"/>
+    <p:sldId id="284" r:id="rId10"/>
   </p:sldIdLst>
   <p:sldSz cx="12192000" cy="6858000"/>
   <p:notesSz cx="6858000" cy="9144000"/>
@@ -221,7 +222,7 @@
           <a:p>
             <a:fld id="{65DD71D7-55AC-46BD-81B3-09AB2F9EFBD8}" type="datetimeFigureOut">
               <a:rPr lang="en-US" smtClean="0"/>
-              <a:t>10/4/2024</a:t>
+              <a:t>4/12/2025</a:t>
             </a:fld>
             <a:endParaRPr lang="en-US"/>
           </a:p>
@@ -386,7 +387,7 @@
           <a:p>
             <a:fld id="{1F89424F-BB59-4F4E-9822-4CA3E770FFD2}" type="datetimeFigureOut">
               <a:rPr lang="en-US" smtClean="0"/>
-              <a:t>10/4/2024</a:t>
+              <a:t>4/12/2025</a:t>
             </a:fld>
             <a:endParaRPr lang="en-US"/>
           </a:p>
@@ -1014,7 +1015,7 @@
             <a:fld id="{C9872EE9-AF66-483C-961F-59B9F002993E}" type="datetime1">
               <a:rPr lang="en-US" smtClean="0"/>
               <a:pPr/>
-              <a:t>10/4/2024</a:t>
+              <a:t>4/12/2025</a:t>
             </a:fld>
             <a:endParaRPr lang="en-US" dirty="0"/>
           </a:p>
@@ -1208,7 +1209,7 @@
             <a:fld id="{C7BEAFD5-7FA3-40FB-875B-457FB46B25A4}" type="datetime1">
               <a:rPr lang="en-US" smtClean="0"/>
               <a:pPr/>
-              <a:t>10/4/2024</a:t>
+              <a:t>4/12/2025</a:t>
             </a:fld>
             <a:endParaRPr lang="en-US" dirty="0"/>
           </a:p>
@@ -1392,7 +1393,7 @@
             <a:fld id="{89AD63E2-E931-4653-BB33-A910E07D11B2}" type="datetime1">
               <a:rPr lang="en-US" smtClean="0"/>
               <a:pPr/>
-              <a:t>10/4/2024</a:t>
+              <a:t>4/12/2025</a:t>
             </a:fld>
             <a:endParaRPr lang="en-US" dirty="0"/>
           </a:p>
@@ -1940,7 +1941,7 @@
             <a:fld id="{C9EA1F43-559A-4B47-A959-EFB6142CA3A9}" type="datetime1">
               <a:rPr lang="en-US" smtClean="0"/>
               <a:pPr/>
-              <a:t>10/4/2024</a:t>
+              <a:t>4/12/2025</a:t>
             </a:fld>
             <a:endParaRPr lang="en-US" dirty="0"/>
           </a:p>
@@ -2387,7 +2388,7 @@
             <a:fld id="{F1261AED-24AE-4AC7-940D-F7106D2788A3}" type="datetime1">
               <a:rPr lang="en-US" smtClean="0"/>
               <a:pPr/>
-              <a:t>10/4/2024</a:t>
+              <a:t>4/12/2025</a:t>
             </a:fld>
             <a:endParaRPr lang="en-US" dirty="0"/>
           </a:p>
@@ -2520,7 +2521,7 @@
             <a:fld id="{EC425771-5E10-4A19-AB0E-909293152332}" type="datetime1">
               <a:rPr lang="en-US" smtClean="0"/>
               <a:pPr/>
-              <a:t>10/4/2024</a:t>
+              <a:t>4/12/2025</a:t>
             </a:fld>
             <a:endParaRPr lang="en-US" dirty="0"/>
           </a:p>
@@ -2631,7 +2632,7 @@
             <a:fld id="{03606FD5-B03F-45D5-A178-114C548C0032}" type="datetime1">
               <a:rPr lang="en-US" smtClean="0"/>
               <a:pPr/>
-              <a:t>10/4/2024</a:t>
+              <a:t>4/12/2025</a:t>
             </a:fld>
             <a:endParaRPr lang="en-US" dirty="0"/>
           </a:p>
@@ -3016,7 +3017,7 @@
             <a:fld id="{E8B012C0-B102-441D-AA86-2C80DFA84E68}" type="datetime1">
               <a:rPr lang="en-US" smtClean="0"/>
               <a:pPr/>
-              <a:t>10/4/2024</a:t>
+              <a:t>4/12/2025</a:t>
             </a:fld>
             <a:endParaRPr lang="en-US" dirty="0"/>
           </a:p>
@@ -3340,7 +3341,7 @@
             <a:fld id="{601E0B12-F9DE-47EF-A076-CF602073F1B2}" type="datetime1">
               <a:rPr lang="en-US" smtClean="0"/>
               <a:pPr/>
-              <a:t>10/4/2024</a:t>
+              <a:t>4/12/2025</a:t>
             </a:fld>
             <a:endParaRPr lang="en-US" dirty="0"/>
           </a:p>
@@ -3643,7 +3644,7 @@
             <a:fld id="{C8B93266-8FB4-430B-8AE3-3A53F50E1A0B}" type="datetime1">
               <a:rPr lang="en-US" smtClean="0"/>
               <a:pPr/>
-              <a:t>10/4/2024</a:t>
+              <a:t>4/12/2025</a:t>
             </a:fld>
             <a:endParaRPr lang="en-US" dirty="0"/>
           </a:p>
@@ -5063,7 +5064,7 @@
           <p:cNvPr id="2" name="Title 1">
             <a:extLst>
               <a:ext uri="{FF2B5EF4-FFF2-40B4-BE49-F238E27FC236}">
-                <a16:creationId xmlns:a16="http://schemas.microsoft.com/office/drawing/2014/main" id="{756064BE-6006-6C17-E249-F540B22841FF}"/>
+                <a16:creationId xmlns:a16="http://schemas.microsoft.com/office/drawing/2014/main" id="{F3FC5C57-789E-61CC-76C1-BF77DD0EB431}"/>
               </a:ext>
             </a:extLst>
           </p:cNvPr>
@@ -5079,342 +5080,49 @@
           <a:bodyPr/>
           <a:lstStyle/>
           <a:p>
-            <a:r>
-              <a:rPr lang="en-US" dirty="0"/>
-              <a:t>Teknik Dasar: Data mining</a:t>
-            </a:r>
-            <a:endParaRPr lang="en-ID" dirty="0"/>
-          </a:p>
-        </p:txBody>
-      </p:sp>
-      <p:sp>
-        <p:nvSpPr>
-          <p:cNvPr id="3" name="Content Placeholder 2">
+            <a:endParaRPr lang="en-US"/>
+          </a:p>
+        </p:txBody>
+      </p:sp>
+      <p:pic>
+        <p:nvPicPr>
+          <p:cNvPr id="5" name="Content Placeholder 4">
             <a:extLst>
               <a:ext uri="{FF2B5EF4-FFF2-40B4-BE49-F238E27FC236}">
-                <a16:creationId xmlns:a16="http://schemas.microsoft.com/office/drawing/2014/main" id="{EB3C0C73-8083-C163-4FA4-1B6C26990B3B}"/>
+                <a16:creationId xmlns:a16="http://schemas.microsoft.com/office/drawing/2014/main" id="{E4866533-D1AF-5FAC-40AE-961CC819C4C0}"/>
               </a:ext>
             </a:extLst>
           </p:cNvPr>
-          <p:cNvSpPr>
-            <a:spLocks noGrp="1"/>
-          </p:cNvSpPr>
+          <p:cNvPicPr>
+            <a:picLocks noGrp="1" noChangeAspect="1"/>
+          </p:cNvPicPr>
           <p:nvPr>
             <p:ph idx="1"/>
           </p:nvPr>
-        </p:nvSpPr>
-        <p:spPr/>
-        <p:txBody>
-          <a:bodyPr/>
-          <a:lstStyle/>
-          <a:p>
-            <a:r>
-              <a:rPr lang="en-ID" sz="2400" dirty="0"/>
-              <a:t>Data mining </a:t>
-            </a:r>
-            <a:r>
-              <a:rPr lang="en-ID" sz="2400" dirty="0" err="1"/>
-              <a:t>adalah</a:t>
-            </a:r>
-            <a:r>
-              <a:rPr lang="en-ID" sz="2400" dirty="0"/>
-              <a:t> proses </a:t>
-            </a:r>
-            <a:r>
-              <a:rPr lang="en-ID" sz="2400" dirty="0" err="1"/>
-              <a:t>menemukan</a:t>
-            </a:r>
-            <a:r>
-              <a:rPr lang="en-ID" sz="2400" dirty="0"/>
-              <a:t> </a:t>
-            </a:r>
-            <a:r>
-              <a:rPr lang="en-ID" sz="2400" dirty="0" err="1"/>
-              <a:t>pola</a:t>
-            </a:r>
-            <a:r>
-              <a:rPr lang="en-ID" sz="2400" dirty="0"/>
-              <a:t>, </a:t>
-            </a:r>
-            <a:r>
-              <a:rPr lang="en-ID" sz="2400" dirty="0" err="1"/>
-              <a:t>tren</a:t>
-            </a:r>
-            <a:r>
-              <a:rPr lang="en-ID" sz="2400" dirty="0"/>
-              <a:t>, dan </a:t>
-            </a:r>
-            <a:r>
-              <a:rPr lang="en-ID" sz="2400" dirty="0" err="1"/>
-              <a:t>informasi</a:t>
-            </a:r>
-            <a:r>
-              <a:rPr lang="en-ID" sz="2400" dirty="0"/>
-              <a:t> </a:t>
-            </a:r>
-            <a:r>
-              <a:rPr lang="en-ID" sz="2400" dirty="0" err="1"/>
-              <a:t>berharga</a:t>
-            </a:r>
-            <a:r>
-              <a:rPr lang="en-ID" sz="2400" dirty="0"/>
-              <a:t> </a:t>
-            </a:r>
-            <a:r>
-              <a:rPr lang="en-ID" sz="2400" dirty="0" err="1"/>
-              <a:t>dari</a:t>
-            </a:r>
-            <a:r>
-              <a:rPr lang="en-ID" sz="2400" dirty="0"/>
-              <a:t> </a:t>
-            </a:r>
-            <a:r>
-              <a:rPr lang="en-ID" sz="2400" dirty="0" err="1"/>
-              <a:t>kumpulan</a:t>
-            </a:r>
-            <a:r>
-              <a:rPr lang="en-ID" sz="2400" dirty="0"/>
-              <a:t> data yang </a:t>
-            </a:r>
-            <a:r>
-              <a:rPr lang="en-ID" sz="2400" dirty="0" err="1"/>
-              <a:t>besar</a:t>
-            </a:r>
-            <a:r>
-              <a:rPr lang="en-ID" sz="2400" dirty="0"/>
-              <a:t> dan </a:t>
-            </a:r>
-            <a:r>
-              <a:rPr lang="en-ID" sz="2400" dirty="0" err="1"/>
-              <a:t>kompleks</a:t>
-            </a:r>
-            <a:r>
-              <a:rPr lang="en-ID" sz="2400" dirty="0"/>
-              <a:t>. </a:t>
-            </a:r>
-          </a:p>
-          <a:p>
-            <a:r>
-              <a:rPr lang="en-ID" sz="2400" dirty="0"/>
-              <a:t>Proses </a:t>
-            </a:r>
-            <a:r>
-              <a:rPr lang="en-ID" sz="2400" dirty="0" err="1"/>
-              <a:t>mengekstrak</a:t>
-            </a:r>
-            <a:r>
-              <a:rPr lang="en-ID" sz="2400" dirty="0"/>
-              <a:t> </a:t>
-            </a:r>
-            <a:r>
-              <a:rPr lang="en-ID" sz="2400" dirty="0" err="1"/>
-              <a:t>informasi</a:t>
-            </a:r>
-            <a:r>
-              <a:rPr lang="en-ID" sz="2400" dirty="0"/>
-              <a:t> </a:t>
-            </a:r>
-            <a:r>
-              <a:rPr lang="en-ID" sz="2400" dirty="0" err="1"/>
-              <a:t>berguna</a:t>
-            </a:r>
-            <a:r>
-              <a:rPr lang="en-ID" sz="2400" dirty="0"/>
-              <a:t> </a:t>
-            </a:r>
-            <a:r>
-              <a:rPr lang="en-ID" sz="2400" dirty="0" err="1"/>
-              <a:t>dari</a:t>
-            </a:r>
-            <a:r>
-              <a:rPr lang="en-ID" sz="2400" dirty="0"/>
-              <a:t> </a:t>
-            </a:r>
-            <a:r>
-              <a:rPr lang="en-ID" sz="2400" dirty="0" err="1"/>
-              <a:t>kumpulan</a:t>
-            </a:r>
-            <a:r>
-              <a:rPr lang="en-ID" sz="2400" dirty="0"/>
-              <a:t> data </a:t>
-            </a:r>
-            <a:r>
-              <a:rPr lang="en-ID" sz="2400" dirty="0" err="1"/>
-              <a:t>besar</a:t>
-            </a:r>
-            <a:r>
-              <a:rPr lang="en-ID" sz="2400" dirty="0"/>
-              <a:t>.</a:t>
-            </a:r>
-          </a:p>
-          <a:p>
-            <a:r>
-              <a:rPr lang="en-ID" sz="2400" dirty="0"/>
-              <a:t>Teknik </a:t>
-            </a:r>
-            <a:r>
-              <a:rPr lang="en-ID" sz="2400" dirty="0" err="1"/>
-              <a:t>ini</a:t>
-            </a:r>
-            <a:r>
-              <a:rPr lang="en-ID" sz="2400" dirty="0"/>
-              <a:t> </a:t>
-            </a:r>
-            <a:r>
-              <a:rPr lang="en-ID" sz="2400" dirty="0" err="1"/>
-              <a:t>menggabungkan</a:t>
-            </a:r>
-            <a:r>
-              <a:rPr lang="en-ID" sz="2400" dirty="0"/>
-              <a:t> </a:t>
-            </a:r>
-            <a:r>
-              <a:rPr lang="en-ID" sz="2400" dirty="0" err="1"/>
-              <a:t>berbagai</a:t>
-            </a:r>
-            <a:r>
-              <a:rPr lang="en-ID" sz="2400" dirty="0"/>
-              <a:t> </a:t>
-            </a:r>
-            <a:r>
-              <a:rPr lang="en-ID" sz="2400" dirty="0" err="1"/>
-              <a:t>disiplin</a:t>
-            </a:r>
-            <a:r>
-              <a:rPr lang="en-ID" sz="2400" dirty="0"/>
-              <a:t> </a:t>
-            </a:r>
-            <a:r>
-              <a:rPr lang="en-ID" sz="2400" dirty="0" err="1"/>
-              <a:t>ilmu</a:t>
-            </a:r>
-            <a:r>
-              <a:rPr lang="en-ID" sz="2400" dirty="0"/>
-              <a:t>, </a:t>
-            </a:r>
-            <a:r>
-              <a:rPr lang="en-ID" sz="2400" dirty="0" err="1"/>
-              <a:t>termasuk</a:t>
-            </a:r>
-            <a:r>
-              <a:rPr lang="en-ID" sz="2400" dirty="0"/>
-              <a:t> </a:t>
-            </a:r>
-            <a:r>
-              <a:rPr lang="en-ID" sz="2400" dirty="0" err="1"/>
-              <a:t>statistik</a:t>
-            </a:r>
-            <a:r>
-              <a:rPr lang="en-ID" sz="2400" dirty="0"/>
-              <a:t>, </a:t>
-            </a:r>
-            <a:r>
-              <a:rPr lang="en-ID" sz="2400" dirty="0" err="1"/>
-              <a:t>pembelajaran</a:t>
-            </a:r>
-            <a:r>
-              <a:rPr lang="en-ID" sz="2400" dirty="0"/>
-              <a:t> </a:t>
-            </a:r>
-            <a:r>
-              <a:rPr lang="en-ID" sz="2400" dirty="0" err="1"/>
-              <a:t>mesin</a:t>
-            </a:r>
-            <a:r>
-              <a:rPr lang="en-ID" sz="2400" dirty="0"/>
-              <a:t>, dan basis data, </a:t>
-            </a:r>
-            <a:r>
-              <a:rPr lang="en-ID" sz="2400" dirty="0" err="1"/>
-              <a:t>untuk</a:t>
-            </a:r>
-            <a:r>
-              <a:rPr lang="en-ID" sz="2400" dirty="0"/>
-              <a:t> </a:t>
-            </a:r>
-            <a:r>
-              <a:rPr lang="en-ID" sz="2400" dirty="0" err="1"/>
-              <a:t>menganalisis</a:t>
-            </a:r>
-            <a:r>
-              <a:rPr lang="en-ID" sz="2400" dirty="0"/>
-              <a:t> data dan </a:t>
-            </a:r>
-            <a:r>
-              <a:rPr lang="en-ID" sz="2400" dirty="0" err="1"/>
-              <a:t>mengidentifikasi</a:t>
-            </a:r>
-            <a:r>
-              <a:rPr lang="en-ID" sz="2400" dirty="0"/>
-              <a:t> </a:t>
-            </a:r>
-            <a:r>
-              <a:rPr lang="en-ID" sz="2400" dirty="0" err="1"/>
-              <a:t>pola</a:t>
-            </a:r>
-            <a:r>
-              <a:rPr lang="en-ID" sz="2400" dirty="0"/>
-              <a:t> yang </a:t>
-            </a:r>
-            <a:r>
-              <a:rPr lang="en-ID" sz="2400" dirty="0" err="1"/>
-              <a:t>tidak</a:t>
-            </a:r>
-            <a:r>
-              <a:rPr lang="en-ID" sz="2400" dirty="0"/>
-              <a:t> </a:t>
-            </a:r>
-            <a:r>
-              <a:rPr lang="en-ID" sz="2400" dirty="0" err="1"/>
-              <a:t>terlihat</a:t>
-            </a:r>
-            <a:r>
-              <a:rPr lang="en-ID" sz="2400" dirty="0"/>
-              <a:t> </a:t>
-            </a:r>
-            <a:r>
-              <a:rPr lang="en-ID" sz="2400" dirty="0" err="1"/>
-              <a:t>sebelumnya</a:t>
-            </a:r>
-            <a:r>
-              <a:rPr lang="en-ID" sz="2400" dirty="0"/>
-              <a:t>.</a:t>
-            </a:r>
-          </a:p>
-          <a:p>
-            <a:pPr>
-              <a:buFont typeface="Arial" panose="020B0604020202020204" pitchFamily="34" charset="0"/>
-              <a:buChar char="•"/>
-            </a:pPr>
-            <a:r>
-              <a:rPr lang="en-ID" sz="2400" dirty="0" err="1"/>
-              <a:t>Metode</a:t>
-            </a:r>
-            <a:r>
-              <a:rPr lang="en-ID" sz="2400" dirty="0"/>
-              <a:t>: Clustering, Classification, Association Rule Learning, </a:t>
-            </a:r>
-            <a:r>
-              <a:rPr lang="en-ID" sz="2400" dirty="0" err="1"/>
-              <a:t>dll</a:t>
-            </a:r>
-            <a:r>
-              <a:rPr lang="en-ID" sz="2400" dirty="0"/>
-              <a:t>.</a:t>
-            </a:r>
-          </a:p>
-          <a:p>
-            <a:endParaRPr lang="en-ID" dirty="0"/>
-          </a:p>
-          <a:p>
-            <a:endParaRPr lang="en-ID" dirty="0"/>
-          </a:p>
-        </p:txBody>
-      </p:sp>
+        </p:nvPicPr>
+        <p:blipFill>
+          <a:blip r:embed="rId2" cstate="print">
+            <a:extLst>
+              <a:ext uri="{28A0092B-C50C-407E-A947-70E740481C1C}">
+                <a14:useLocalDpi xmlns:a14="http://schemas.microsoft.com/office/drawing/2010/main" val="0"/>
+              </a:ext>
+            </a:extLst>
+          </a:blip>
+          <a:stretch>
+            <a:fillRect/>
+          </a:stretch>
+        </p:blipFill>
+        <p:spPr>
+          <a:xfrm>
+            <a:off x="1422400" y="381000"/>
+            <a:ext cx="9474200" cy="5562600"/>
+          </a:xfrm>
+        </p:spPr>
+      </p:pic>
     </p:spTree>
     <p:extLst>
       <p:ext uri="{BB962C8B-B14F-4D97-AF65-F5344CB8AC3E}">
-        <p14:creationId xmlns:p14="http://schemas.microsoft.com/office/powerpoint/2010/main" val="2293381494"/>
+        <p14:creationId xmlns:p14="http://schemas.microsoft.com/office/powerpoint/2010/main" val="1141191415"/>
       </p:ext>
     </p:extLst>
   </p:cSld>
@@ -5458,7 +5166,7 @@
           <p:cNvPr id="2" name="Title 1">
             <a:extLst>
               <a:ext uri="{FF2B5EF4-FFF2-40B4-BE49-F238E27FC236}">
-                <a16:creationId xmlns:a16="http://schemas.microsoft.com/office/drawing/2014/main" id="{7BFD94C3-BC8B-88A3-A5E4-0D0EC271B25C}"/>
+                <a16:creationId xmlns:a16="http://schemas.microsoft.com/office/drawing/2014/main" id="{756064BE-6006-6C17-E249-F540B22841FF}"/>
               </a:ext>
             </a:extLst>
           </p:cNvPr>
@@ -5469,19 +5177,14 @@
             <p:ph type="title"/>
           </p:nvPr>
         </p:nvSpPr>
-        <p:spPr>
-          <a:xfrm>
-            <a:off x="1295400" y="314325"/>
-            <a:ext cx="9601200" cy="723900"/>
-          </a:xfrm>
-        </p:spPr>
+        <p:spPr/>
         <p:txBody>
           <a:bodyPr/>
           <a:lstStyle/>
           <a:p>
             <a:r>
-              <a:rPr lang="en-ID" b="1" dirty="0"/>
-              <a:t>Teknik Dasar: Machine Learning</a:t>
+              <a:rPr lang="en-US" dirty="0"/>
+              <a:t>Teknik Dasar: Data mining</a:t>
             </a:r>
             <a:endParaRPr lang="en-ID" dirty="0"/>
           </a:p>
@@ -5492,7 +5195,7 @@
           <p:cNvPr id="3" name="Content Placeholder 2">
             <a:extLst>
               <a:ext uri="{FF2B5EF4-FFF2-40B4-BE49-F238E27FC236}">
-                <a16:creationId xmlns:a16="http://schemas.microsoft.com/office/drawing/2014/main" id="{DFF2C37F-482F-5AB3-BB04-34EAAD430E04}"/>
+                <a16:creationId xmlns:a16="http://schemas.microsoft.com/office/drawing/2014/main" id="{EB3C0C73-8083-C163-4FA4-1B6C26990B3B}"/>
               </a:ext>
             </a:extLst>
           </p:cNvPr>
@@ -5503,574 +5206,308 @@
             <p:ph idx="1"/>
           </p:nvPr>
         </p:nvSpPr>
-        <p:spPr>
-          <a:xfrm>
-            <a:off x="1076325" y="1276350"/>
-            <a:ext cx="10391775" cy="4667250"/>
-          </a:xfrm>
-        </p:spPr>
-        <p:txBody>
-          <a:bodyPr>
-            <a:normAutofit fontScale="85000" lnSpcReduction="10000"/>
-          </a:bodyPr>
+        <p:spPr/>
+        <p:txBody>
+          <a:bodyPr/>
           <a:lstStyle/>
           <a:p>
+            <a:r>
+              <a:rPr lang="en-ID" sz="2400" dirty="0"/>
+              <a:t>Data mining </a:t>
+            </a:r>
+            <a:r>
+              <a:rPr lang="en-ID" sz="2400" dirty="0" err="1"/>
+              <a:t>adalah</a:t>
+            </a:r>
+            <a:r>
+              <a:rPr lang="en-ID" sz="2400" dirty="0"/>
+              <a:t> proses </a:t>
+            </a:r>
+            <a:r>
+              <a:rPr lang="en-ID" sz="2400" dirty="0" err="1"/>
+              <a:t>menemukan</a:t>
+            </a:r>
+            <a:r>
+              <a:rPr lang="en-ID" sz="2400" dirty="0"/>
+              <a:t> </a:t>
+            </a:r>
+            <a:r>
+              <a:rPr lang="en-ID" sz="2400" dirty="0" err="1"/>
+              <a:t>pola</a:t>
+            </a:r>
+            <a:r>
+              <a:rPr lang="en-ID" sz="2400" dirty="0"/>
+              <a:t>, </a:t>
+            </a:r>
+            <a:r>
+              <a:rPr lang="en-ID" sz="2400" dirty="0" err="1"/>
+              <a:t>tren</a:t>
+            </a:r>
+            <a:r>
+              <a:rPr lang="en-ID" sz="2400" dirty="0"/>
+              <a:t>, dan </a:t>
+            </a:r>
+            <a:r>
+              <a:rPr lang="en-ID" sz="2400" dirty="0" err="1"/>
+              <a:t>informasi</a:t>
+            </a:r>
+            <a:r>
+              <a:rPr lang="en-ID" sz="2400" dirty="0"/>
+              <a:t> </a:t>
+            </a:r>
+            <a:r>
+              <a:rPr lang="en-ID" sz="2400" dirty="0" err="1"/>
+              <a:t>berharga</a:t>
+            </a:r>
+            <a:r>
+              <a:rPr lang="en-ID" sz="2400" dirty="0"/>
+              <a:t> </a:t>
+            </a:r>
+            <a:r>
+              <a:rPr lang="en-ID" sz="2400" dirty="0" err="1"/>
+              <a:t>dari</a:t>
+            </a:r>
+            <a:r>
+              <a:rPr lang="en-ID" sz="2400" dirty="0"/>
+              <a:t> </a:t>
+            </a:r>
+            <a:r>
+              <a:rPr lang="en-ID" sz="2400" dirty="0" err="1"/>
+              <a:t>kumpulan</a:t>
+            </a:r>
+            <a:r>
+              <a:rPr lang="en-ID" sz="2400" dirty="0"/>
+              <a:t> data yang </a:t>
+            </a:r>
+            <a:r>
+              <a:rPr lang="en-ID" sz="2400" dirty="0" err="1"/>
+              <a:t>besar</a:t>
+            </a:r>
+            <a:r>
+              <a:rPr lang="en-ID" sz="2400" dirty="0"/>
+              <a:t> dan </a:t>
+            </a:r>
+            <a:r>
+              <a:rPr lang="en-ID" sz="2400" dirty="0" err="1"/>
+              <a:t>kompleks</a:t>
+            </a:r>
+            <a:r>
+              <a:rPr lang="en-ID" sz="2400" dirty="0"/>
+              <a:t>. </a:t>
+            </a:r>
+          </a:p>
+          <a:p>
+            <a:r>
+              <a:rPr lang="en-ID" sz="2400" dirty="0"/>
+              <a:t>Proses </a:t>
+            </a:r>
+            <a:r>
+              <a:rPr lang="en-ID" sz="2400" dirty="0" err="1"/>
+              <a:t>mengekstrak</a:t>
+            </a:r>
+            <a:r>
+              <a:rPr lang="en-ID" sz="2400" dirty="0"/>
+              <a:t> </a:t>
+            </a:r>
+            <a:r>
+              <a:rPr lang="en-ID" sz="2400" dirty="0" err="1"/>
+              <a:t>informasi</a:t>
+            </a:r>
+            <a:r>
+              <a:rPr lang="en-ID" sz="2400" dirty="0"/>
+              <a:t> </a:t>
+            </a:r>
+            <a:r>
+              <a:rPr lang="en-ID" sz="2400" dirty="0" err="1"/>
+              <a:t>berguna</a:t>
+            </a:r>
+            <a:r>
+              <a:rPr lang="en-ID" sz="2400" dirty="0"/>
+              <a:t> </a:t>
+            </a:r>
+            <a:r>
+              <a:rPr lang="en-ID" sz="2400" dirty="0" err="1"/>
+              <a:t>dari</a:t>
+            </a:r>
+            <a:r>
+              <a:rPr lang="en-ID" sz="2400" dirty="0"/>
+              <a:t> </a:t>
+            </a:r>
+            <a:r>
+              <a:rPr lang="en-ID" sz="2400" dirty="0" err="1"/>
+              <a:t>kumpulan</a:t>
+            </a:r>
+            <a:r>
+              <a:rPr lang="en-ID" sz="2400" dirty="0"/>
+              <a:t> data </a:t>
+            </a:r>
+            <a:r>
+              <a:rPr lang="en-ID" sz="2400" dirty="0" err="1"/>
+              <a:t>besar</a:t>
+            </a:r>
+            <a:r>
+              <a:rPr lang="en-ID" sz="2400" dirty="0"/>
+              <a:t>.</a:t>
+            </a:r>
+          </a:p>
+          <a:p>
+            <a:r>
+              <a:rPr lang="en-ID" sz="2400" dirty="0"/>
+              <a:t>Teknik </a:t>
+            </a:r>
+            <a:r>
+              <a:rPr lang="en-ID" sz="2400" dirty="0" err="1"/>
+              <a:t>ini</a:t>
+            </a:r>
+            <a:r>
+              <a:rPr lang="en-ID" sz="2400" dirty="0"/>
+              <a:t> </a:t>
+            </a:r>
+            <a:r>
+              <a:rPr lang="en-ID" sz="2400" dirty="0" err="1"/>
+              <a:t>menggabungkan</a:t>
+            </a:r>
+            <a:r>
+              <a:rPr lang="en-ID" sz="2400" dirty="0"/>
+              <a:t> </a:t>
+            </a:r>
+            <a:r>
+              <a:rPr lang="en-ID" sz="2400" dirty="0" err="1"/>
+              <a:t>berbagai</a:t>
+            </a:r>
+            <a:r>
+              <a:rPr lang="en-ID" sz="2400" dirty="0"/>
+              <a:t> </a:t>
+            </a:r>
+            <a:r>
+              <a:rPr lang="en-ID" sz="2400" dirty="0" err="1"/>
+              <a:t>disiplin</a:t>
+            </a:r>
+            <a:r>
+              <a:rPr lang="en-ID" sz="2400" dirty="0"/>
+              <a:t> </a:t>
+            </a:r>
+            <a:r>
+              <a:rPr lang="en-ID" sz="2400" dirty="0" err="1"/>
+              <a:t>ilmu</a:t>
+            </a:r>
+            <a:r>
+              <a:rPr lang="en-ID" sz="2400" dirty="0"/>
+              <a:t>, </a:t>
+            </a:r>
+            <a:r>
+              <a:rPr lang="en-ID" sz="2400" dirty="0" err="1"/>
+              <a:t>termasuk</a:t>
+            </a:r>
+            <a:r>
+              <a:rPr lang="en-ID" sz="2400" dirty="0"/>
+              <a:t> </a:t>
+            </a:r>
+            <a:r>
+              <a:rPr lang="en-ID" sz="2400" dirty="0" err="1"/>
+              <a:t>statistik</a:t>
+            </a:r>
+            <a:r>
+              <a:rPr lang="en-ID" sz="2400" dirty="0"/>
+              <a:t>, </a:t>
+            </a:r>
+            <a:r>
+              <a:rPr lang="en-ID" sz="2400" dirty="0" err="1"/>
+              <a:t>pembelajaran</a:t>
+            </a:r>
+            <a:r>
+              <a:rPr lang="en-ID" sz="2400" dirty="0"/>
+              <a:t> </a:t>
+            </a:r>
+            <a:r>
+              <a:rPr lang="en-ID" sz="2400" dirty="0" err="1"/>
+              <a:t>mesin</a:t>
+            </a:r>
+            <a:r>
+              <a:rPr lang="en-ID" sz="2400" dirty="0"/>
+              <a:t>, dan basis data, </a:t>
+            </a:r>
+            <a:r>
+              <a:rPr lang="en-ID" sz="2400" dirty="0" err="1"/>
+              <a:t>untuk</a:t>
+            </a:r>
+            <a:r>
+              <a:rPr lang="en-ID" sz="2400" dirty="0"/>
+              <a:t> </a:t>
+            </a:r>
+            <a:r>
+              <a:rPr lang="en-ID" sz="2400" dirty="0" err="1"/>
+              <a:t>menganalisis</a:t>
+            </a:r>
+            <a:r>
+              <a:rPr lang="en-ID" sz="2400" dirty="0"/>
+              <a:t> data dan </a:t>
+            </a:r>
+            <a:r>
+              <a:rPr lang="en-ID" sz="2400" dirty="0" err="1"/>
+              <a:t>mengidentifikasi</a:t>
+            </a:r>
+            <a:r>
+              <a:rPr lang="en-ID" sz="2400" dirty="0"/>
+              <a:t> </a:t>
+            </a:r>
+            <a:r>
+              <a:rPr lang="en-ID" sz="2400" dirty="0" err="1"/>
+              <a:t>pola</a:t>
+            </a:r>
+            <a:r>
+              <a:rPr lang="en-ID" sz="2400" dirty="0"/>
+              <a:t> yang </a:t>
+            </a:r>
+            <a:r>
+              <a:rPr lang="en-ID" sz="2400" dirty="0" err="1"/>
+              <a:t>tidak</a:t>
+            </a:r>
+            <a:r>
+              <a:rPr lang="en-ID" sz="2400" dirty="0"/>
+              <a:t> </a:t>
+            </a:r>
+            <a:r>
+              <a:rPr lang="en-ID" sz="2400" dirty="0" err="1"/>
+              <a:t>terlihat</a:t>
+            </a:r>
+            <a:r>
+              <a:rPr lang="en-ID" sz="2400" dirty="0"/>
+              <a:t> </a:t>
+            </a:r>
+            <a:r>
+              <a:rPr lang="en-ID" sz="2400" dirty="0" err="1"/>
+              <a:t>sebelumnya</a:t>
+            </a:r>
+            <a:r>
+              <a:rPr lang="en-ID" sz="2400" dirty="0"/>
+              <a:t>.</a:t>
+            </a:r>
+          </a:p>
+          <a:p>
             <a:pPr>
-              <a:lnSpc>
-                <a:spcPct val="160000"/>
-              </a:lnSpc>
-              <a:spcBef>
-                <a:spcPts val="0"/>
-              </a:spcBef>
-              <a:buFont typeface="Wingdings" panose="05000000000000000000" pitchFamily="2" charset="2"/>
-              <a:buChar char="§"/>
+              <a:buFont typeface="Arial" panose="020B0604020202020204" pitchFamily="34" charset="0"/>
+              <a:buChar char="•"/>
             </a:pPr>
             <a:r>
-              <a:rPr lang="en-ID" dirty="0"/>
-              <a:t>Machine Learning (ML) </a:t>
-            </a:r>
-            <a:r>
-              <a:rPr lang="en-ID" dirty="0" err="1"/>
-              <a:t>adalah</a:t>
-            </a:r>
-            <a:r>
-              <a:rPr lang="en-ID" dirty="0"/>
-              <a:t> </a:t>
-            </a:r>
-            <a:r>
-              <a:rPr lang="en-ID" dirty="0" err="1"/>
-              <a:t>cabang</a:t>
-            </a:r>
-            <a:r>
-              <a:rPr lang="en-ID" dirty="0"/>
-              <a:t> </a:t>
-            </a:r>
-            <a:r>
-              <a:rPr lang="en-ID" dirty="0" err="1"/>
-              <a:t>dari</a:t>
-            </a:r>
-            <a:r>
-              <a:rPr lang="en-ID" dirty="0"/>
-              <a:t> </a:t>
-            </a:r>
-            <a:r>
-              <a:rPr lang="en-ID" dirty="0" err="1"/>
-              <a:t>kecerdasan</a:t>
-            </a:r>
-            <a:r>
-              <a:rPr lang="en-ID" dirty="0"/>
-              <a:t> </a:t>
-            </a:r>
-            <a:r>
-              <a:rPr lang="en-ID" dirty="0" err="1"/>
-              <a:t>buatan</a:t>
-            </a:r>
-            <a:r>
-              <a:rPr lang="en-ID" dirty="0"/>
-              <a:t> (AI) yang </a:t>
-            </a:r>
-            <a:r>
-              <a:rPr lang="en-ID" dirty="0" err="1"/>
-              <a:t>memungkinkan</a:t>
-            </a:r>
-            <a:r>
-              <a:rPr lang="en-ID" dirty="0"/>
-              <a:t> </a:t>
-            </a:r>
-            <a:r>
-              <a:rPr lang="en-ID" dirty="0" err="1"/>
-              <a:t>sistem</a:t>
-            </a:r>
-            <a:r>
-              <a:rPr lang="en-ID" dirty="0"/>
-              <a:t> </a:t>
-            </a:r>
-            <a:r>
-              <a:rPr lang="en-ID" dirty="0" err="1"/>
-              <a:t>untuk</a:t>
-            </a:r>
-            <a:r>
-              <a:rPr lang="en-ID" dirty="0"/>
-              <a:t> </a:t>
-            </a:r>
-            <a:r>
-              <a:rPr lang="en-ID" dirty="0" err="1"/>
-              <a:t>belajar</a:t>
-            </a:r>
-            <a:r>
-              <a:rPr lang="en-ID" dirty="0"/>
-              <a:t> dan </a:t>
-            </a:r>
-            <a:r>
-              <a:rPr lang="en-ID" dirty="0" err="1"/>
-              <a:t>meningkatkan</a:t>
-            </a:r>
-            <a:r>
-              <a:rPr lang="en-ID" dirty="0"/>
-              <a:t> </a:t>
-            </a:r>
-            <a:r>
-              <a:rPr lang="en-ID" dirty="0" err="1"/>
-              <a:t>performanya</a:t>
-            </a:r>
-            <a:r>
-              <a:rPr lang="en-ID" dirty="0"/>
-              <a:t> </a:t>
-            </a:r>
-            <a:r>
-              <a:rPr lang="en-ID" dirty="0" err="1"/>
-              <a:t>dari</a:t>
-            </a:r>
-            <a:r>
-              <a:rPr lang="en-ID" dirty="0"/>
-              <a:t> </a:t>
-            </a:r>
-            <a:r>
-              <a:rPr lang="en-ID" dirty="0" err="1"/>
-              <a:t>pengalaman</a:t>
-            </a:r>
-            <a:r>
-              <a:rPr lang="en-ID" dirty="0"/>
-              <a:t> </a:t>
-            </a:r>
-            <a:r>
-              <a:rPr lang="en-ID" dirty="0" err="1"/>
-              <a:t>tanpa</a:t>
-            </a:r>
-            <a:r>
-              <a:rPr lang="en-ID" dirty="0"/>
-              <a:t> </a:t>
-            </a:r>
-            <a:r>
-              <a:rPr lang="en-ID" dirty="0" err="1"/>
-              <a:t>diprogram</a:t>
-            </a:r>
-            <a:r>
-              <a:rPr lang="en-ID" dirty="0"/>
-              <a:t> </a:t>
-            </a:r>
-            <a:r>
-              <a:rPr lang="en-ID" dirty="0" err="1"/>
-              <a:t>secara</a:t>
-            </a:r>
-            <a:r>
-              <a:rPr lang="en-ID" dirty="0"/>
-              <a:t> </a:t>
-            </a:r>
-            <a:r>
-              <a:rPr lang="en-ID" dirty="0" err="1"/>
-              <a:t>eksplisit</a:t>
-            </a:r>
-            <a:r>
-              <a:rPr lang="en-ID" dirty="0"/>
-              <a:t>. </a:t>
-            </a:r>
-            <a:r>
-              <a:rPr lang="en-ID" dirty="0" err="1"/>
-              <a:t>Ini</a:t>
-            </a:r>
-            <a:r>
-              <a:rPr lang="en-ID" dirty="0"/>
-              <a:t> </a:t>
-            </a:r>
-            <a:r>
-              <a:rPr lang="en-ID" dirty="0" err="1"/>
-              <a:t>dilakukan</a:t>
-            </a:r>
-            <a:r>
-              <a:rPr lang="en-ID" dirty="0"/>
-              <a:t> </a:t>
-            </a:r>
-            <a:r>
-              <a:rPr lang="en-ID" dirty="0" err="1"/>
-              <a:t>melalui</a:t>
-            </a:r>
-            <a:r>
-              <a:rPr lang="en-ID" dirty="0"/>
-              <a:t> </a:t>
-            </a:r>
-            <a:r>
-              <a:rPr lang="en-ID" dirty="0" err="1"/>
-              <a:t>analisis</a:t>
-            </a:r>
-            <a:r>
-              <a:rPr lang="en-ID" dirty="0"/>
-              <a:t> data dan </a:t>
-            </a:r>
-            <a:r>
-              <a:rPr lang="en-ID" dirty="0" err="1"/>
-              <a:t>penggunaan</a:t>
-            </a:r>
-            <a:r>
-              <a:rPr lang="en-ID" dirty="0"/>
-              <a:t> </a:t>
-            </a:r>
-            <a:r>
-              <a:rPr lang="en-ID" dirty="0" err="1"/>
-              <a:t>algoritma</a:t>
-            </a:r>
-            <a:r>
-              <a:rPr lang="en-ID" dirty="0"/>
-              <a:t> </a:t>
-            </a:r>
-            <a:r>
-              <a:rPr lang="en-ID" dirty="0" err="1"/>
-              <a:t>untuk</a:t>
-            </a:r>
-            <a:r>
-              <a:rPr lang="en-ID" dirty="0"/>
-              <a:t> </a:t>
-            </a:r>
-            <a:r>
-              <a:rPr lang="en-ID" dirty="0" err="1"/>
-              <a:t>mengidentifikasi</a:t>
-            </a:r>
-            <a:r>
-              <a:rPr lang="en-ID" dirty="0"/>
-              <a:t> </a:t>
-            </a:r>
-            <a:r>
-              <a:rPr lang="en-ID" dirty="0" err="1"/>
-              <a:t>pola</a:t>
-            </a:r>
-            <a:r>
-              <a:rPr lang="en-ID" dirty="0"/>
+              <a:rPr lang="en-ID" sz="2400" dirty="0" err="1"/>
+              <a:t>Metode</a:t>
+            </a:r>
+            <a:r>
+              <a:rPr lang="en-ID" sz="2400" dirty="0"/>
+              <a:t>: Clustering, Classification, Association Rule Learning, </a:t>
+            </a:r>
+            <a:r>
+              <a:rPr lang="en-ID" sz="2400" dirty="0" err="1"/>
+              <a:t>dll</a:t>
+            </a:r>
+            <a:r>
+              <a:rPr lang="en-ID" sz="2400" dirty="0"/>
               <a:t>.</a:t>
             </a:r>
           </a:p>
           <a:p>
-            <a:pPr>
-              <a:buFont typeface="+mj-lt"/>
-              <a:buAutoNum type="arabicPeriod"/>
-            </a:pPr>
-            <a:r>
-              <a:rPr lang="en-ID" b="1" dirty="0"/>
-              <a:t>Supervised Learning</a:t>
-            </a:r>
-            <a:r>
-              <a:rPr lang="en-ID" dirty="0"/>
-              <a:t>:</a:t>
-            </a:r>
-          </a:p>
-          <a:p>
-            <a:pPr marL="742950" lvl="1" indent="-285750">
-              <a:buFont typeface="+mj-lt"/>
-              <a:buAutoNum type="arabicPeriod"/>
-            </a:pPr>
-            <a:r>
-              <a:rPr lang="en-ID" b="1" dirty="0" err="1"/>
-              <a:t>Deskripsi</a:t>
-            </a:r>
-            <a:r>
-              <a:rPr lang="en-ID" dirty="0"/>
-              <a:t>: Model </a:t>
-            </a:r>
-            <a:r>
-              <a:rPr lang="en-ID" dirty="0" err="1"/>
-              <a:t>dilatih</a:t>
-            </a:r>
-            <a:r>
-              <a:rPr lang="en-ID" dirty="0"/>
-              <a:t> </a:t>
-            </a:r>
-            <a:r>
-              <a:rPr lang="en-ID" dirty="0" err="1"/>
-              <a:t>menggunakan</a:t>
-            </a:r>
-            <a:r>
-              <a:rPr lang="en-ID" dirty="0"/>
-              <a:t> data </a:t>
-            </a:r>
-            <a:r>
-              <a:rPr lang="en-ID" dirty="0" err="1"/>
-              <a:t>berlabel</a:t>
-            </a:r>
-            <a:r>
-              <a:rPr lang="en-ID" dirty="0"/>
-              <a:t>.</a:t>
-            </a:r>
-          </a:p>
-          <a:p>
-            <a:pPr marL="742950" lvl="1" indent="-285750">
-              <a:buFont typeface="+mj-lt"/>
-              <a:buAutoNum type="arabicPeriod"/>
-            </a:pPr>
-            <a:r>
-              <a:rPr lang="en-ID" b="1" dirty="0" err="1"/>
-              <a:t>Contoh</a:t>
-            </a:r>
-            <a:r>
-              <a:rPr lang="en-ID" dirty="0"/>
-              <a:t>: </a:t>
-            </a:r>
-            <a:r>
-              <a:rPr lang="en-ID" dirty="0" err="1"/>
-              <a:t>Klasifikasi</a:t>
-            </a:r>
-            <a:r>
-              <a:rPr lang="en-ID" dirty="0"/>
-              <a:t> email </a:t>
-            </a:r>
-            <a:r>
-              <a:rPr lang="en-ID" dirty="0" err="1"/>
-              <a:t>sebagai</a:t>
-            </a:r>
-            <a:r>
-              <a:rPr lang="en-ID" dirty="0"/>
-              <a:t> spam </a:t>
-            </a:r>
-            <a:r>
-              <a:rPr lang="en-ID" dirty="0" err="1"/>
-              <a:t>atau</a:t>
-            </a:r>
-            <a:r>
-              <a:rPr lang="en-ID" dirty="0"/>
-              <a:t> </a:t>
-            </a:r>
-            <a:r>
-              <a:rPr lang="en-ID" dirty="0" err="1"/>
-              <a:t>tidak</a:t>
-            </a:r>
-            <a:r>
-              <a:rPr lang="en-ID" dirty="0"/>
-              <a:t> spam.</a:t>
-            </a:r>
-          </a:p>
-          <a:p>
-            <a:pPr>
-              <a:buFont typeface="+mj-lt"/>
-              <a:buAutoNum type="arabicPeriod"/>
-            </a:pPr>
-            <a:r>
-              <a:rPr lang="en-ID" b="1" dirty="0"/>
-              <a:t>Unsupervised Learning</a:t>
-            </a:r>
-            <a:r>
-              <a:rPr lang="en-ID" dirty="0"/>
-              <a:t>:</a:t>
-            </a:r>
-          </a:p>
-          <a:p>
-            <a:pPr marL="742950" lvl="1" indent="-285750">
-              <a:buFont typeface="+mj-lt"/>
-              <a:buAutoNum type="arabicPeriod"/>
-            </a:pPr>
-            <a:r>
-              <a:rPr lang="en-ID" b="1" dirty="0" err="1"/>
-              <a:t>Deskripsi</a:t>
-            </a:r>
-            <a:r>
-              <a:rPr lang="en-ID" dirty="0"/>
-              <a:t>: Model </a:t>
-            </a:r>
-            <a:r>
-              <a:rPr lang="en-ID" dirty="0" err="1"/>
-              <a:t>dilatih</a:t>
-            </a:r>
-            <a:r>
-              <a:rPr lang="en-ID" dirty="0"/>
-              <a:t> </a:t>
-            </a:r>
-            <a:r>
-              <a:rPr lang="en-ID" dirty="0" err="1"/>
-              <a:t>menggunakan</a:t>
-            </a:r>
-            <a:r>
-              <a:rPr lang="en-ID" dirty="0"/>
-              <a:t> data </a:t>
-            </a:r>
-            <a:r>
-              <a:rPr lang="en-ID" dirty="0" err="1"/>
-              <a:t>tidak</a:t>
-            </a:r>
-            <a:r>
-              <a:rPr lang="en-ID" dirty="0"/>
-              <a:t> </a:t>
-            </a:r>
-            <a:r>
-              <a:rPr lang="en-ID" dirty="0" err="1"/>
-              <a:t>berlabel</a:t>
-            </a:r>
-            <a:r>
-              <a:rPr lang="en-ID" dirty="0"/>
-              <a:t>.</a:t>
-            </a:r>
-          </a:p>
-          <a:p>
-            <a:pPr marL="742950" lvl="1" indent="-285750">
-              <a:buFont typeface="+mj-lt"/>
-              <a:buAutoNum type="arabicPeriod"/>
-            </a:pPr>
-            <a:r>
-              <a:rPr lang="en-ID" b="1" dirty="0" err="1"/>
-              <a:t>Contoh</a:t>
-            </a:r>
-            <a:r>
-              <a:rPr lang="en-ID" dirty="0"/>
-              <a:t>: </a:t>
-            </a:r>
-            <a:r>
-              <a:rPr lang="en-ID" dirty="0" err="1"/>
-              <a:t>Kluster</a:t>
-            </a:r>
-            <a:r>
-              <a:rPr lang="en-ID" dirty="0"/>
-              <a:t> </a:t>
-            </a:r>
-            <a:r>
-              <a:rPr lang="en-ID" dirty="0" err="1"/>
-              <a:t>pelanggan</a:t>
-            </a:r>
-            <a:r>
-              <a:rPr lang="en-ID" dirty="0"/>
-              <a:t> </a:t>
-            </a:r>
-            <a:r>
-              <a:rPr lang="en-ID" dirty="0" err="1"/>
-              <a:t>berdasarkan</a:t>
-            </a:r>
-            <a:r>
-              <a:rPr lang="en-ID" dirty="0"/>
-              <a:t> </a:t>
-            </a:r>
-            <a:r>
-              <a:rPr lang="en-ID" dirty="0" err="1"/>
-              <a:t>perilaku</a:t>
-            </a:r>
-            <a:r>
-              <a:rPr lang="en-ID" dirty="0"/>
-              <a:t> </a:t>
-            </a:r>
-            <a:r>
-              <a:rPr lang="en-ID" dirty="0" err="1"/>
-              <a:t>pembelian</a:t>
-            </a:r>
-            <a:r>
-              <a:rPr lang="en-ID" dirty="0"/>
-              <a:t>.</a:t>
-            </a:r>
-          </a:p>
-          <a:p>
-            <a:pPr>
-              <a:buFont typeface="+mj-lt"/>
-              <a:buAutoNum type="arabicPeriod"/>
-            </a:pPr>
-            <a:r>
-              <a:rPr lang="en-ID" b="1" dirty="0"/>
-              <a:t>Reinforcement Learning</a:t>
-            </a:r>
-            <a:r>
-              <a:rPr lang="en-ID" dirty="0"/>
-              <a:t>:</a:t>
-            </a:r>
-          </a:p>
-          <a:p>
-            <a:pPr marL="742950" lvl="1" indent="-285750">
-              <a:buFont typeface="+mj-lt"/>
-              <a:buAutoNum type="arabicPeriod"/>
-            </a:pPr>
-            <a:r>
-              <a:rPr lang="en-ID" b="1" dirty="0" err="1"/>
-              <a:t>Deskripsi</a:t>
-            </a:r>
-            <a:r>
-              <a:rPr lang="en-ID" dirty="0"/>
-              <a:t>: Model </a:t>
-            </a:r>
-            <a:r>
-              <a:rPr lang="en-ID" dirty="0" err="1"/>
-              <a:t>belajar</a:t>
-            </a:r>
-            <a:r>
-              <a:rPr lang="en-ID" dirty="0"/>
-              <a:t> </a:t>
-            </a:r>
-            <a:r>
-              <a:rPr lang="en-ID" dirty="0" err="1"/>
-              <a:t>melalui</a:t>
-            </a:r>
-            <a:r>
-              <a:rPr lang="en-ID" dirty="0"/>
-              <a:t> trial and error </a:t>
-            </a:r>
-            <a:r>
-              <a:rPr lang="en-ID" dirty="0" err="1"/>
-              <a:t>untuk</a:t>
-            </a:r>
-            <a:r>
-              <a:rPr lang="en-ID" dirty="0"/>
-              <a:t> </a:t>
-            </a:r>
-            <a:r>
-              <a:rPr lang="en-ID" dirty="0" err="1"/>
-              <a:t>mencapai</a:t>
-            </a:r>
-            <a:r>
-              <a:rPr lang="en-ID" dirty="0"/>
-              <a:t> </a:t>
-            </a:r>
-            <a:r>
-              <a:rPr lang="en-ID" dirty="0" err="1"/>
-              <a:t>tujuan</a:t>
-            </a:r>
-            <a:r>
-              <a:rPr lang="en-ID" dirty="0"/>
-              <a:t> </a:t>
-            </a:r>
-            <a:r>
-              <a:rPr lang="en-ID" dirty="0" err="1"/>
-              <a:t>tertentu</a:t>
-            </a:r>
-            <a:r>
-              <a:rPr lang="en-ID" dirty="0"/>
-              <a:t>.</a:t>
-            </a:r>
-          </a:p>
-          <a:p>
-            <a:pPr marL="742950" lvl="1" indent="-285750">
-              <a:buFont typeface="+mj-lt"/>
-              <a:buAutoNum type="arabicPeriod"/>
-            </a:pPr>
-            <a:r>
-              <a:rPr lang="en-ID" b="1" dirty="0" err="1"/>
-              <a:t>Contoh</a:t>
-            </a:r>
-            <a:r>
-              <a:rPr lang="en-ID" dirty="0"/>
-              <a:t>: Robot </a:t>
-            </a:r>
-            <a:r>
-              <a:rPr lang="en-ID" dirty="0" err="1"/>
-              <a:t>belajar</a:t>
-            </a:r>
-            <a:r>
-              <a:rPr lang="en-ID" dirty="0"/>
-              <a:t> </a:t>
-            </a:r>
-            <a:r>
-              <a:rPr lang="en-ID" dirty="0" err="1"/>
-              <a:t>navigasi</a:t>
-            </a:r>
-            <a:r>
-              <a:rPr lang="en-ID" dirty="0"/>
-              <a:t> </a:t>
-            </a:r>
-            <a:r>
-              <a:rPr lang="en-ID" dirty="0" err="1"/>
-              <a:t>melalui</a:t>
-            </a:r>
-            <a:r>
-              <a:rPr lang="en-ID" dirty="0"/>
-              <a:t> </a:t>
-            </a:r>
-            <a:r>
-              <a:rPr lang="en-ID" dirty="0" err="1"/>
-              <a:t>lingkungan</a:t>
-            </a:r>
-            <a:r>
-              <a:rPr lang="en-ID" dirty="0"/>
-              <a:t>.</a:t>
-            </a:r>
+            <a:endParaRPr lang="en-ID" dirty="0"/>
           </a:p>
           <a:p>
             <a:endParaRPr lang="en-ID" dirty="0"/>
@@ -6080,7 +5517,7 @@
     </p:spTree>
     <p:extLst>
       <p:ext uri="{BB962C8B-B14F-4D97-AF65-F5344CB8AC3E}">
-        <p14:creationId xmlns:p14="http://schemas.microsoft.com/office/powerpoint/2010/main" val="2179249178"/>
+        <p14:creationId xmlns:p14="http://schemas.microsoft.com/office/powerpoint/2010/main" val="2293381494"/>
       </p:ext>
     </p:extLst>
   </p:cSld>
@@ -6124,6 +5561,672 @@
           <p:cNvPr id="2" name="Title 1">
             <a:extLst>
               <a:ext uri="{FF2B5EF4-FFF2-40B4-BE49-F238E27FC236}">
+                <a16:creationId xmlns:a16="http://schemas.microsoft.com/office/drawing/2014/main" id="{7BFD94C3-BC8B-88A3-A5E4-0D0EC271B25C}"/>
+              </a:ext>
+            </a:extLst>
+          </p:cNvPr>
+          <p:cNvSpPr>
+            <a:spLocks noGrp="1"/>
+          </p:cNvSpPr>
+          <p:nvPr>
+            <p:ph type="title"/>
+          </p:nvPr>
+        </p:nvSpPr>
+        <p:spPr>
+          <a:xfrm>
+            <a:off x="1295400" y="314325"/>
+            <a:ext cx="9601200" cy="723900"/>
+          </a:xfrm>
+        </p:spPr>
+        <p:txBody>
+          <a:bodyPr/>
+          <a:lstStyle/>
+          <a:p>
+            <a:r>
+              <a:rPr lang="en-ID" b="1" dirty="0"/>
+              <a:t>Teknik Dasar: Machine Learning</a:t>
+            </a:r>
+            <a:endParaRPr lang="en-ID" dirty="0"/>
+          </a:p>
+        </p:txBody>
+      </p:sp>
+      <p:sp>
+        <p:nvSpPr>
+          <p:cNvPr id="3" name="Content Placeholder 2">
+            <a:extLst>
+              <a:ext uri="{FF2B5EF4-FFF2-40B4-BE49-F238E27FC236}">
+                <a16:creationId xmlns:a16="http://schemas.microsoft.com/office/drawing/2014/main" id="{DFF2C37F-482F-5AB3-BB04-34EAAD430E04}"/>
+              </a:ext>
+            </a:extLst>
+          </p:cNvPr>
+          <p:cNvSpPr>
+            <a:spLocks noGrp="1"/>
+          </p:cNvSpPr>
+          <p:nvPr>
+            <p:ph idx="1"/>
+          </p:nvPr>
+        </p:nvSpPr>
+        <p:spPr>
+          <a:xfrm>
+            <a:off x="1076325" y="1276350"/>
+            <a:ext cx="10391775" cy="4667250"/>
+          </a:xfrm>
+        </p:spPr>
+        <p:txBody>
+          <a:bodyPr>
+            <a:normAutofit fontScale="85000" lnSpcReduction="10000"/>
+          </a:bodyPr>
+          <a:lstStyle/>
+          <a:p>
+            <a:pPr>
+              <a:lnSpc>
+                <a:spcPct val="160000"/>
+              </a:lnSpc>
+              <a:spcBef>
+                <a:spcPts val="0"/>
+              </a:spcBef>
+              <a:buFont typeface="Wingdings" panose="05000000000000000000" pitchFamily="2" charset="2"/>
+              <a:buChar char="§"/>
+            </a:pPr>
+            <a:r>
+              <a:rPr lang="en-ID" dirty="0"/>
+              <a:t>Machine Learning (ML) </a:t>
+            </a:r>
+            <a:r>
+              <a:rPr lang="en-ID" dirty="0" err="1"/>
+              <a:t>adalah</a:t>
+            </a:r>
+            <a:r>
+              <a:rPr lang="en-ID" dirty="0"/>
+              <a:t> </a:t>
+            </a:r>
+            <a:r>
+              <a:rPr lang="en-ID" dirty="0" err="1"/>
+              <a:t>cabang</a:t>
+            </a:r>
+            <a:r>
+              <a:rPr lang="en-ID" dirty="0"/>
+              <a:t> </a:t>
+            </a:r>
+            <a:r>
+              <a:rPr lang="en-ID" dirty="0" err="1"/>
+              <a:t>dari</a:t>
+            </a:r>
+            <a:r>
+              <a:rPr lang="en-ID" dirty="0"/>
+              <a:t> </a:t>
+            </a:r>
+            <a:r>
+              <a:rPr lang="en-ID" dirty="0" err="1"/>
+              <a:t>kecerdasan</a:t>
+            </a:r>
+            <a:r>
+              <a:rPr lang="en-ID" dirty="0"/>
+              <a:t> </a:t>
+            </a:r>
+            <a:r>
+              <a:rPr lang="en-ID" dirty="0" err="1"/>
+              <a:t>buatan</a:t>
+            </a:r>
+            <a:r>
+              <a:rPr lang="en-ID" dirty="0"/>
+              <a:t> (AI) yang </a:t>
+            </a:r>
+            <a:r>
+              <a:rPr lang="en-ID" dirty="0" err="1"/>
+              <a:t>memungkinkan</a:t>
+            </a:r>
+            <a:r>
+              <a:rPr lang="en-ID" dirty="0"/>
+              <a:t> </a:t>
+            </a:r>
+            <a:r>
+              <a:rPr lang="en-ID" dirty="0" err="1"/>
+              <a:t>sistem</a:t>
+            </a:r>
+            <a:r>
+              <a:rPr lang="en-ID" dirty="0"/>
+              <a:t> </a:t>
+            </a:r>
+            <a:r>
+              <a:rPr lang="en-ID" dirty="0" err="1"/>
+              <a:t>untuk</a:t>
+            </a:r>
+            <a:r>
+              <a:rPr lang="en-ID" dirty="0"/>
+              <a:t> </a:t>
+            </a:r>
+            <a:r>
+              <a:rPr lang="en-ID" dirty="0" err="1"/>
+              <a:t>belajar</a:t>
+            </a:r>
+            <a:r>
+              <a:rPr lang="en-ID" dirty="0"/>
+              <a:t> dan </a:t>
+            </a:r>
+            <a:r>
+              <a:rPr lang="en-ID" dirty="0" err="1"/>
+              <a:t>meningkatkan</a:t>
+            </a:r>
+            <a:r>
+              <a:rPr lang="en-ID" dirty="0"/>
+              <a:t> </a:t>
+            </a:r>
+            <a:r>
+              <a:rPr lang="en-ID" dirty="0" err="1"/>
+              <a:t>performanya</a:t>
+            </a:r>
+            <a:r>
+              <a:rPr lang="en-ID" dirty="0"/>
+              <a:t> </a:t>
+            </a:r>
+            <a:r>
+              <a:rPr lang="en-ID" dirty="0" err="1"/>
+              <a:t>dari</a:t>
+            </a:r>
+            <a:r>
+              <a:rPr lang="en-ID" dirty="0"/>
+              <a:t> </a:t>
+            </a:r>
+            <a:r>
+              <a:rPr lang="en-ID" dirty="0" err="1"/>
+              <a:t>pengalaman</a:t>
+            </a:r>
+            <a:r>
+              <a:rPr lang="en-ID" dirty="0"/>
+              <a:t> </a:t>
+            </a:r>
+            <a:r>
+              <a:rPr lang="en-ID" dirty="0" err="1"/>
+              <a:t>tanpa</a:t>
+            </a:r>
+            <a:r>
+              <a:rPr lang="en-ID" dirty="0"/>
+              <a:t> </a:t>
+            </a:r>
+            <a:r>
+              <a:rPr lang="en-ID" dirty="0" err="1"/>
+              <a:t>diprogram</a:t>
+            </a:r>
+            <a:r>
+              <a:rPr lang="en-ID" dirty="0"/>
+              <a:t> </a:t>
+            </a:r>
+            <a:r>
+              <a:rPr lang="en-ID" dirty="0" err="1"/>
+              <a:t>secara</a:t>
+            </a:r>
+            <a:r>
+              <a:rPr lang="en-ID" dirty="0"/>
+              <a:t> </a:t>
+            </a:r>
+            <a:r>
+              <a:rPr lang="en-ID" dirty="0" err="1"/>
+              <a:t>eksplisit</a:t>
+            </a:r>
+            <a:r>
+              <a:rPr lang="en-ID" dirty="0"/>
+              <a:t>. </a:t>
+            </a:r>
+            <a:r>
+              <a:rPr lang="en-ID" dirty="0" err="1"/>
+              <a:t>Ini</a:t>
+            </a:r>
+            <a:r>
+              <a:rPr lang="en-ID" dirty="0"/>
+              <a:t> </a:t>
+            </a:r>
+            <a:r>
+              <a:rPr lang="en-ID" dirty="0" err="1"/>
+              <a:t>dilakukan</a:t>
+            </a:r>
+            <a:r>
+              <a:rPr lang="en-ID" dirty="0"/>
+              <a:t> </a:t>
+            </a:r>
+            <a:r>
+              <a:rPr lang="en-ID" dirty="0" err="1"/>
+              <a:t>melalui</a:t>
+            </a:r>
+            <a:r>
+              <a:rPr lang="en-ID" dirty="0"/>
+              <a:t> </a:t>
+            </a:r>
+            <a:r>
+              <a:rPr lang="en-ID" dirty="0" err="1"/>
+              <a:t>analisis</a:t>
+            </a:r>
+            <a:r>
+              <a:rPr lang="en-ID" dirty="0"/>
+              <a:t> data dan </a:t>
+            </a:r>
+            <a:r>
+              <a:rPr lang="en-ID" dirty="0" err="1"/>
+              <a:t>penggunaan</a:t>
+            </a:r>
+            <a:r>
+              <a:rPr lang="en-ID" dirty="0"/>
+              <a:t> </a:t>
+            </a:r>
+            <a:r>
+              <a:rPr lang="en-ID" dirty="0" err="1"/>
+              <a:t>algoritma</a:t>
+            </a:r>
+            <a:r>
+              <a:rPr lang="en-ID" dirty="0"/>
+              <a:t> </a:t>
+            </a:r>
+            <a:r>
+              <a:rPr lang="en-ID" dirty="0" err="1"/>
+              <a:t>untuk</a:t>
+            </a:r>
+            <a:r>
+              <a:rPr lang="en-ID" dirty="0"/>
+              <a:t> </a:t>
+            </a:r>
+            <a:r>
+              <a:rPr lang="en-ID" dirty="0" err="1"/>
+              <a:t>mengidentifikasi</a:t>
+            </a:r>
+            <a:r>
+              <a:rPr lang="en-ID" dirty="0"/>
+              <a:t> </a:t>
+            </a:r>
+            <a:r>
+              <a:rPr lang="en-ID" dirty="0" err="1"/>
+              <a:t>pola</a:t>
+            </a:r>
+            <a:r>
+              <a:rPr lang="en-ID" dirty="0"/>
+              <a:t>.</a:t>
+            </a:r>
+          </a:p>
+          <a:p>
+            <a:pPr>
+              <a:buFont typeface="+mj-lt"/>
+              <a:buAutoNum type="arabicPeriod"/>
+            </a:pPr>
+            <a:r>
+              <a:rPr lang="en-ID" b="1" dirty="0"/>
+              <a:t>Supervised Learning</a:t>
+            </a:r>
+            <a:r>
+              <a:rPr lang="en-ID" dirty="0"/>
+              <a:t>:</a:t>
+            </a:r>
+          </a:p>
+          <a:p>
+            <a:pPr marL="742950" lvl="1" indent="-285750">
+              <a:buFont typeface="+mj-lt"/>
+              <a:buAutoNum type="arabicPeriod"/>
+            </a:pPr>
+            <a:r>
+              <a:rPr lang="en-ID" b="1" dirty="0" err="1"/>
+              <a:t>Deskripsi</a:t>
+            </a:r>
+            <a:r>
+              <a:rPr lang="en-ID" dirty="0"/>
+              <a:t>: Model </a:t>
+            </a:r>
+            <a:r>
+              <a:rPr lang="en-ID" dirty="0" err="1"/>
+              <a:t>dilatih</a:t>
+            </a:r>
+            <a:r>
+              <a:rPr lang="en-ID" dirty="0"/>
+              <a:t> </a:t>
+            </a:r>
+            <a:r>
+              <a:rPr lang="en-ID" dirty="0" err="1"/>
+              <a:t>menggunakan</a:t>
+            </a:r>
+            <a:r>
+              <a:rPr lang="en-ID" dirty="0"/>
+              <a:t> data </a:t>
+            </a:r>
+            <a:r>
+              <a:rPr lang="en-ID" dirty="0" err="1"/>
+              <a:t>berlabel</a:t>
+            </a:r>
+            <a:r>
+              <a:rPr lang="en-ID" dirty="0"/>
+              <a:t>.</a:t>
+            </a:r>
+          </a:p>
+          <a:p>
+            <a:pPr marL="742950" lvl="1" indent="-285750">
+              <a:buFont typeface="+mj-lt"/>
+              <a:buAutoNum type="arabicPeriod"/>
+            </a:pPr>
+            <a:r>
+              <a:rPr lang="en-ID" b="1" dirty="0" err="1"/>
+              <a:t>Contoh</a:t>
+            </a:r>
+            <a:r>
+              <a:rPr lang="en-ID" dirty="0"/>
+              <a:t>: </a:t>
+            </a:r>
+            <a:r>
+              <a:rPr lang="en-ID" dirty="0" err="1"/>
+              <a:t>Klasifikasi</a:t>
+            </a:r>
+            <a:r>
+              <a:rPr lang="en-ID" dirty="0"/>
+              <a:t> email </a:t>
+            </a:r>
+            <a:r>
+              <a:rPr lang="en-ID" dirty="0" err="1"/>
+              <a:t>sebagai</a:t>
+            </a:r>
+            <a:r>
+              <a:rPr lang="en-ID" dirty="0"/>
+              <a:t> spam </a:t>
+            </a:r>
+            <a:r>
+              <a:rPr lang="en-ID" dirty="0" err="1"/>
+              <a:t>atau</a:t>
+            </a:r>
+            <a:r>
+              <a:rPr lang="en-ID" dirty="0"/>
+              <a:t> </a:t>
+            </a:r>
+            <a:r>
+              <a:rPr lang="en-ID" dirty="0" err="1"/>
+              <a:t>tidak</a:t>
+            </a:r>
+            <a:r>
+              <a:rPr lang="en-ID" dirty="0"/>
+              <a:t> spam.</a:t>
+            </a:r>
+          </a:p>
+          <a:p>
+            <a:pPr>
+              <a:buFont typeface="+mj-lt"/>
+              <a:buAutoNum type="arabicPeriod"/>
+            </a:pPr>
+            <a:r>
+              <a:rPr lang="en-ID" b="1" dirty="0"/>
+              <a:t>Unsupervised Learning</a:t>
+            </a:r>
+            <a:r>
+              <a:rPr lang="en-ID" dirty="0"/>
+              <a:t>:</a:t>
+            </a:r>
+          </a:p>
+          <a:p>
+            <a:pPr marL="742950" lvl="1" indent="-285750">
+              <a:buFont typeface="+mj-lt"/>
+              <a:buAutoNum type="arabicPeriod"/>
+            </a:pPr>
+            <a:r>
+              <a:rPr lang="en-ID" b="1" dirty="0" err="1"/>
+              <a:t>Deskripsi</a:t>
+            </a:r>
+            <a:r>
+              <a:rPr lang="en-ID" dirty="0"/>
+              <a:t>: Model </a:t>
+            </a:r>
+            <a:r>
+              <a:rPr lang="en-ID" dirty="0" err="1"/>
+              <a:t>dilatih</a:t>
+            </a:r>
+            <a:r>
+              <a:rPr lang="en-ID" dirty="0"/>
+              <a:t> </a:t>
+            </a:r>
+            <a:r>
+              <a:rPr lang="en-ID" dirty="0" err="1"/>
+              <a:t>menggunakan</a:t>
+            </a:r>
+            <a:r>
+              <a:rPr lang="en-ID" dirty="0"/>
+              <a:t> data </a:t>
+            </a:r>
+            <a:r>
+              <a:rPr lang="en-ID" dirty="0" err="1"/>
+              <a:t>tidak</a:t>
+            </a:r>
+            <a:r>
+              <a:rPr lang="en-ID" dirty="0"/>
+              <a:t> </a:t>
+            </a:r>
+            <a:r>
+              <a:rPr lang="en-ID" dirty="0" err="1"/>
+              <a:t>berlabel</a:t>
+            </a:r>
+            <a:r>
+              <a:rPr lang="en-ID" dirty="0"/>
+              <a:t>.</a:t>
+            </a:r>
+          </a:p>
+          <a:p>
+            <a:pPr marL="742950" lvl="1" indent="-285750">
+              <a:buFont typeface="+mj-lt"/>
+              <a:buAutoNum type="arabicPeriod"/>
+            </a:pPr>
+            <a:r>
+              <a:rPr lang="en-ID" b="1" dirty="0" err="1"/>
+              <a:t>Contoh</a:t>
+            </a:r>
+            <a:r>
+              <a:rPr lang="en-ID" dirty="0"/>
+              <a:t>: </a:t>
+            </a:r>
+            <a:r>
+              <a:rPr lang="en-ID" dirty="0" err="1"/>
+              <a:t>Kluster</a:t>
+            </a:r>
+            <a:r>
+              <a:rPr lang="en-ID" dirty="0"/>
+              <a:t> </a:t>
+            </a:r>
+            <a:r>
+              <a:rPr lang="en-ID" dirty="0" err="1"/>
+              <a:t>pelanggan</a:t>
+            </a:r>
+            <a:r>
+              <a:rPr lang="en-ID" dirty="0"/>
+              <a:t> </a:t>
+            </a:r>
+            <a:r>
+              <a:rPr lang="en-ID" dirty="0" err="1"/>
+              <a:t>berdasarkan</a:t>
+            </a:r>
+            <a:r>
+              <a:rPr lang="en-ID" dirty="0"/>
+              <a:t> </a:t>
+            </a:r>
+            <a:r>
+              <a:rPr lang="en-ID" dirty="0" err="1"/>
+              <a:t>perilaku</a:t>
+            </a:r>
+            <a:r>
+              <a:rPr lang="en-ID" dirty="0"/>
+              <a:t> </a:t>
+            </a:r>
+            <a:r>
+              <a:rPr lang="en-ID" dirty="0" err="1"/>
+              <a:t>pembelian</a:t>
+            </a:r>
+            <a:r>
+              <a:rPr lang="en-ID" dirty="0"/>
+              <a:t>.</a:t>
+            </a:r>
+          </a:p>
+          <a:p>
+            <a:pPr>
+              <a:buFont typeface="+mj-lt"/>
+              <a:buAutoNum type="arabicPeriod"/>
+            </a:pPr>
+            <a:r>
+              <a:rPr lang="en-ID" b="1" dirty="0"/>
+              <a:t>Reinforcement Learning</a:t>
+            </a:r>
+            <a:r>
+              <a:rPr lang="en-ID" dirty="0"/>
+              <a:t>:</a:t>
+            </a:r>
+          </a:p>
+          <a:p>
+            <a:pPr marL="742950" lvl="1" indent="-285750">
+              <a:buFont typeface="+mj-lt"/>
+              <a:buAutoNum type="arabicPeriod"/>
+            </a:pPr>
+            <a:r>
+              <a:rPr lang="en-ID" b="1" dirty="0" err="1"/>
+              <a:t>Deskripsi</a:t>
+            </a:r>
+            <a:r>
+              <a:rPr lang="en-ID" dirty="0"/>
+              <a:t>: Model </a:t>
+            </a:r>
+            <a:r>
+              <a:rPr lang="en-ID" dirty="0" err="1"/>
+              <a:t>belajar</a:t>
+            </a:r>
+            <a:r>
+              <a:rPr lang="en-ID" dirty="0"/>
+              <a:t> </a:t>
+            </a:r>
+            <a:r>
+              <a:rPr lang="en-ID" dirty="0" err="1"/>
+              <a:t>melalui</a:t>
+            </a:r>
+            <a:r>
+              <a:rPr lang="en-ID" dirty="0"/>
+              <a:t> trial and error </a:t>
+            </a:r>
+            <a:r>
+              <a:rPr lang="en-ID" dirty="0" err="1"/>
+              <a:t>untuk</a:t>
+            </a:r>
+            <a:r>
+              <a:rPr lang="en-ID" dirty="0"/>
+              <a:t> </a:t>
+            </a:r>
+            <a:r>
+              <a:rPr lang="en-ID" dirty="0" err="1"/>
+              <a:t>mencapai</a:t>
+            </a:r>
+            <a:r>
+              <a:rPr lang="en-ID" dirty="0"/>
+              <a:t> </a:t>
+            </a:r>
+            <a:r>
+              <a:rPr lang="en-ID" dirty="0" err="1"/>
+              <a:t>tujuan</a:t>
+            </a:r>
+            <a:r>
+              <a:rPr lang="en-ID" dirty="0"/>
+              <a:t> </a:t>
+            </a:r>
+            <a:r>
+              <a:rPr lang="en-ID" dirty="0" err="1"/>
+              <a:t>tertentu</a:t>
+            </a:r>
+            <a:r>
+              <a:rPr lang="en-ID" dirty="0"/>
+              <a:t>.</a:t>
+            </a:r>
+          </a:p>
+          <a:p>
+            <a:pPr marL="742950" lvl="1" indent="-285750">
+              <a:buFont typeface="+mj-lt"/>
+              <a:buAutoNum type="arabicPeriod"/>
+            </a:pPr>
+            <a:r>
+              <a:rPr lang="en-ID" b="1" dirty="0" err="1"/>
+              <a:t>Contoh</a:t>
+            </a:r>
+            <a:r>
+              <a:rPr lang="en-ID" dirty="0"/>
+              <a:t>: Robot </a:t>
+            </a:r>
+            <a:r>
+              <a:rPr lang="en-ID" dirty="0" err="1"/>
+              <a:t>belajar</a:t>
+            </a:r>
+            <a:r>
+              <a:rPr lang="en-ID" dirty="0"/>
+              <a:t> </a:t>
+            </a:r>
+            <a:r>
+              <a:rPr lang="en-ID" dirty="0" err="1"/>
+              <a:t>navigasi</a:t>
+            </a:r>
+            <a:r>
+              <a:rPr lang="en-ID" dirty="0"/>
+              <a:t> </a:t>
+            </a:r>
+            <a:r>
+              <a:rPr lang="en-ID" dirty="0" err="1"/>
+              <a:t>melalui</a:t>
+            </a:r>
+            <a:r>
+              <a:rPr lang="en-ID" dirty="0"/>
+              <a:t> </a:t>
+            </a:r>
+            <a:r>
+              <a:rPr lang="en-ID" dirty="0" err="1"/>
+              <a:t>lingkungan</a:t>
+            </a:r>
+            <a:r>
+              <a:rPr lang="en-ID" dirty="0"/>
+              <a:t>.</a:t>
+            </a:r>
+          </a:p>
+          <a:p>
+            <a:endParaRPr lang="en-ID" dirty="0"/>
+          </a:p>
+        </p:txBody>
+      </p:sp>
+    </p:spTree>
+    <p:extLst>
+      <p:ext uri="{BB962C8B-B14F-4D97-AF65-F5344CB8AC3E}">
+        <p14:creationId xmlns:p14="http://schemas.microsoft.com/office/powerpoint/2010/main" val="2179249178"/>
+      </p:ext>
+    </p:extLst>
+  </p:cSld>
+  <p:clrMapOvr>
+    <a:masterClrMapping/>
+  </p:clrMapOvr>
+  <mc:AlternateContent xmlns:mc="http://schemas.openxmlformats.org/markup-compatibility/2006" xmlns:p14="http://schemas.microsoft.com/office/powerpoint/2010/main">
+    <mc:Choice Requires="p14">
+      <p:transition spd="med" p14:dur="700">
+        <p:fade/>
+      </p:transition>
+    </mc:Choice>
+    <mc:Fallback xmlns="">
+      <p:transition spd="med">
+        <p:fade/>
+      </p:transition>
+    </mc:Fallback>
+  </mc:AlternateContent>
+</p:sld>
+</file>
+
+<file path=ppt/slides/slide8.xml><?xml version="1.0" encoding="utf-8"?>
+<p:sld xmlns:a="http://schemas.openxmlformats.org/drawingml/2006/main" xmlns:r="http://schemas.openxmlformats.org/officeDocument/2006/relationships" xmlns:p="http://schemas.openxmlformats.org/presentationml/2006/main">
+  <p:cSld>
+    <p:spTree>
+      <p:nvGrpSpPr>
+        <p:cNvPr id="1" name=""/>
+        <p:cNvGrpSpPr/>
+        <p:nvPr/>
+      </p:nvGrpSpPr>
+      <p:grpSpPr>
+        <a:xfrm>
+          <a:off x="0" y="0"/>
+          <a:ext cx="0" cy="0"/>
+          <a:chOff x="0" y="0"/>
+          <a:chExt cx="0" cy="0"/>
+        </a:xfrm>
+      </p:grpSpPr>
+      <p:sp>
+        <p:nvSpPr>
+          <p:cNvPr id="2" name="Title 1">
+            <a:extLst>
+              <a:ext uri="{FF2B5EF4-FFF2-40B4-BE49-F238E27FC236}">
                 <a16:creationId xmlns:a16="http://schemas.microsoft.com/office/drawing/2014/main" id="{DD52CAC2-9503-3DA9-25C8-AADCC535DFEC}"/>
               </a:ext>
             </a:extLst>
@@ -6991,7 +7094,7 @@
 </p:sld>
 </file>
 
-<file path=ppt/slides/slide8.xml><?xml version="1.0" encoding="utf-8"?>
+<file path=ppt/slides/slide9.xml><?xml version="1.0" encoding="utf-8"?>
 <p:sld xmlns:a="http://schemas.openxmlformats.org/drawingml/2006/main" xmlns:r="http://schemas.openxmlformats.org/officeDocument/2006/relationships" xmlns:p="http://schemas.openxmlformats.org/presentationml/2006/main">
   <p:cSld>
     <p:spTree>
